--- a/ALO OLUWAPESE EDITED.pptx
+++ b/ALO OLUWAPESE EDITED.pptx
@@ -3164,8 +3164,17 @@
             <a:pPr algn="ctr"/>
             <a:r>
               <a:rPr lang="en-US" dirty="0"/>
-              <a:t>ENTER NUMBER  </a:t>
-            </a:r>
+              <a:t>ENTER </a:t>
+            </a:r>
+            <a:r>
+              <a:rPr lang="en-US" dirty="0"/>
+              <a:t>A</a:t>
+            </a:r>
+            <a:r>
+              <a:rPr lang="en-US" dirty="0" smtClean="0"/>
+              <a:t>  </a:t>
+            </a:r>
+            <a:endParaRPr lang="en-US" dirty="0"/>
           </a:p>
         </p:txBody>
       </p:sp>
@@ -3275,9 +3284,18 @@
           <a:p>
             <a:pPr algn="ctr"/>
             <a:r>
-              <a:rPr lang="en-US" dirty="0"/>
-              <a:t>IF  NUM&gt;B</a:t>
-            </a:r>
+              <a:rPr lang="en-US" sz="1100" dirty="0"/>
+              <a:t>IF  </a:t>
+            </a:r>
+            <a:r>
+              <a:rPr lang="en-US" sz="1100" dirty="0"/>
+              <a:t>A</a:t>
+            </a:r>
+            <a:r>
+              <a:rPr lang="en-US" sz="1100" dirty="0" smtClean="0"/>
+              <a:t>&gt;B</a:t>
+            </a:r>
+            <a:endParaRPr lang="en-US" sz="1100" dirty="0"/>
           </a:p>
         </p:txBody>
       </p:sp>
@@ -3323,7 +3341,7 @@
         <p:spPr>
           <a:xfrm>
             <a:off x="7231380" y="3650615"/>
-            <a:ext cx="1661795" cy="751840"/>
+            <a:ext cx="1661795" cy="874394"/>
           </a:xfrm>
           <a:prstGeom prst="flowChartProcess">
             <a:avLst/>
@@ -3349,9 +3367,10 @@
           <a:p>
             <a:pPr algn="ctr"/>
             <a:r>
-              <a:rPr lang="en-US" dirty="0"/>
-              <a:t>(ABS(NUM-B))</a:t>
-            </a:r>
+              <a:rPr lang="en-US" dirty="0" smtClean="0"/>
+              <a:t>C=(ABS(A-B))</a:t>
+            </a:r>
+            <a:endParaRPr lang="en-US" dirty="0"/>
           </a:p>
         </p:txBody>
       </p:sp>
@@ -3363,8 +3382,8 @@
         </p:nvSpPr>
         <p:spPr>
           <a:xfrm>
-            <a:off x="7231380" y="4747895"/>
-            <a:ext cx="1711325" cy="454660"/>
+            <a:off x="7231380" y="4843144"/>
+            <a:ext cx="1661795" cy="608965"/>
           </a:xfrm>
           <a:prstGeom prst="rect">
             <a:avLst/>
@@ -3390,9 +3409,10 @@
           <a:p>
             <a:pPr algn="ctr"/>
             <a:r>
-              <a:rPr lang="en-US" dirty="0"/>
-              <a:t>PRINT</a:t>
-            </a:r>
+              <a:rPr lang="en-US" dirty="0" smtClean="0"/>
+              <a:t>PRINT (C)</a:t>
+            </a:r>
+            <a:endParaRPr lang="en-US" dirty="0"/>
           </a:p>
         </p:txBody>
       </p:sp>
@@ -3404,7 +3424,7 @@
         </p:nvSpPr>
         <p:spPr>
           <a:xfrm>
-            <a:off x="7475220" y="5521325"/>
+            <a:off x="7475537" y="5624829"/>
             <a:ext cx="1173480" cy="636270"/>
           </a:xfrm>
           <a:prstGeom prst="flowChartTerminator">
@@ -3442,13 +3462,14 @@
           <p:cNvPr id="17" name="Straight Arrow Connector 16"/>
           <p:cNvCxnSpPr>
             <a:stCxn id="12" idx="3"/>
+            <a:endCxn id="14" idx="1"/>
           </p:cNvCxnSpPr>
           <p:nvPr/>
         </p:nvCxnSpPr>
         <p:spPr>
           <a:xfrm>
-            <a:off x="6468110" y="4081780"/>
-            <a:ext cx="805180" cy="635"/>
+            <a:off x="6468110" y="4081463"/>
+            <a:ext cx="763270" cy="6349"/>
           </a:xfrm>
           <a:prstGeom prst="straightConnector1">
             <a:avLst/>
@@ -3476,15 +3497,15 @@
         <p:nvCxnSpPr>
           <p:cNvPr id="18" name="Straight Arrow Connector 17"/>
           <p:cNvCxnSpPr>
-            <a:stCxn id="14" idx="2"/>
-            <a:endCxn id="15" idx="0"/>
+            <a:stCxn id="15" idx="2"/>
+            <a:endCxn id="16" idx="0"/>
           </p:cNvCxnSpPr>
           <p:nvPr/>
         </p:nvCxnSpPr>
         <p:spPr>
-          <a:xfrm>
-            <a:off x="8062595" y="4402455"/>
-            <a:ext cx="24765" cy="345440"/>
+          <a:xfrm flipH="1">
+            <a:off x="8062277" y="5452109"/>
+            <a:ext cx="1" cy="172720"/>
           </a:xfrm>
           <a:prstGeom prst="straightConnector1">
             <a:avLst/>
@@ -3511,16 +3532,13 @@
       <p:cxnSp>
         <p:nvCxnSpPr>
           <p:cNvPr id="19" name="Straight Arrow Connector 18"/>
-          <p:cNvCxnSpPr>
-            <a:stCxn id="15" idx="2"/>
-            <a:endCxn id="16" idx="0"/>
-          </p:cNvCxnSpPr>
+          <p:cNvCxnSpPr/>
           <p:nvPr/>
         </p:nvCxnSpPr>
         <p:spPr>
-          <a:xfrm flipH="1">
-            <a:off x="8061960" y="5202555"/>
-            <a:ext cx="25400" cy="318770"/>
+          <a:xfrm>
+            <a:off x="5822950" y="5416470"/>
+            <a:ext cx="3084" cy="258525"/>
           </a:xfrm>
           <a:prstGeom prst="straightConnector1">
             <a:avLst/>
@@ -3552,8 +3570,8 @@
         </p:nvSpPr>
         <p:spPr>
           <a:xfrm>
-            <a:off x="5273040" y="4834890"/>
-            <a:ext cx="1181735" cy="619760"/>
+            <a:off x="4909458" y="4834890"/>
+            <a:ext cx="1545318" cy="619760"/>
           </a:xfrm>
           <a:prstGeom prst="rect">
             <a:avLst/>
@@ -3579,47 +3597,20 @@
           <a:p>
             <a:pPr algn="ctr"/>
             <a:r>
+              <a:rPr lang="en-US" dirty="0" smtClean="0"/>
+              <a:t>C =</a:t>
+            </a:r>
+            <a:r>
+              <a:rPr lang="en-US" dirty="0" smtClean="0"/>
+              <a:t>2</a:t>
+            </a:r>
+            <a:r>
               <a:rPr lang="en-US" dirty="0"/>
-              <a:t>2*(NUM-B)</a:t>
-            </a:r>
-          </a:p>
-        </p:txBody>
-      </p:sp>
-      <p:cxnSp>
-        <p:nvCxnSpPr>
-          <p:cNvPr id="21" name="Straight Arrow Connector 20"/>
-          <p:cNvCxnSpPr>
-            <a:stCxn id="20" idx="3"/>
-          </p:cNvCxnSpPr>
-          <p:nvPr/>
-        </p:nvCxnSpPr>
-        <p:spPr>
-          <a:xfrm>
-            <a:off x="6454775" y="5144770"/>
-            <a:ext cx="810260" cy="3810"/>
-          </a:xfrm>
-          <a:prstGeom prst="straightConnector1">
-            <a:avLst/>
-          </a:prstGeom>
-          <a:ln>
-            <a:tailEnd type="arrow"/>
-          </a:ln>
-        </p:spPr>
-        <p:style>
-          <a:lnRef idx="1">
-            <a:schemeClr val="accent1"/>
-          </a:lnRef>
-          <a:fillRef idx="0">
-            <a:schemeClr val="accent1"/>
-          </a:fillRef>
-          <a:effectRef idx="0">
-            <a:schemeClr val="accent1"/>
-          </a:effectRef>
-          <a:fontRef idx="minor">
-            <a:schemeClr val="tx1"/>
-          </a:fontRef>
-        </p:style>
-      </p:cxnSp>
+              <a:t>*(NUM-B)</a:t>
+            </a:r>
+          </a:p>
+        </p:txBody>
+      </p:sp>
       <p:sp>
         <p:nvSpPr>
           <p:cNvPr id="22" name="Text Box 21"/>
@@ -3698,8 +3689,8 @@
         </p:nvSpPr>
         <p:spPr>
           <a:xfrm>
-            <a:off x="6454775" y="3783279"/>
-            <a:ext cx="984606" cy="369332"/>
+            <a:off x="6870700" y="2840594"/>
+            <a:ext cx="855345" cy="369332"/>
           </a:xfrm>
           <a:prstGeom prst="rect">
             <a:avLst/>
@@ -3719,6 +3710,119 @@
           </a:p>
         </p:txBody>
       </p:sp>
+      <p:sp>
+        <p:nvSpPr>
+          <p:cNvPr id="25" name="Rectangles 14"/>
+          <p:cNvSpPr/>
+          <p:nvPr/>
+        </p:nvSpPr>
+        <p:spPr>
+          <a:xfrm>
+            <a:off x="4909457" y="5674995"/>
+            <a:ext cx="1556657" cy="521970"/>
+          </a:xfrm>
+          <a:prstGeom prst="rect">
+            <a:avLst/>
+          </a:prstGeom>
+        </p:spPr>
+        <p:style>
+          <a:lnRef idx="2">
+            <a:schemeClr val="accent6"/>
+          </a:lnRef>
+          <a:fillRef idx="1">
+            <a:schemeClr val="lt1"/>
+          </a:fillRef>
+          <a:effectRef idx="0">
+            <a:schemeClr val="accent6"/>
+          </a:effectRef>
+          <a:fontRef idx="minor">
+            <a:schemeClr val="dk1"/>
+          </a:fontRef>
+        </p:style>
+        <p:txBody>
+          <a:bodyPr rtlCol="0" anchor="ctr"/>
+          <a:lstStyle/>
+          <a:p>
+            <a:pPr algn="ctr"/>
+            <a:r>
+              <a:rPr lang="en-US" dirty="0" smtClean="0"/>
+              <a:t>PRINT (C)</a:t>
+            </a:r>
+            <a:endParaRPr lang="en-US" dirty="0"/>
+          </a:p>
+        </p:txBody>
+      </p:sp>
+      <p:cxnSp>
+        <p:nvCxnSpPr>
+          <p:cNvPr id="26" name="Straight Arrow Connector 25"/>
+          <p:cNvCxnSpPr>
+            <a:stCxn id="14" idx="2"/>
+            <a:endCxn id="15" idx="0"/>
+          </p:cNvCxnSpPr>
+          <p:nvPr/>
+        </p:nvCxnSpPr>
+        <p:spPr>
+          <a:xfrm>
+            <a:off x="8062278" y="4525009"/>
+            <a:ext cx="0" cy="318135"/>
+          </a:xfrm>
+          <a:prstGeom prst="straightConnector1">
+            <a:avLst/>
+          </a:prstGeom>
+          <a:ln>
+            <a:tailEnd type="arrow"/>
+          </a:ln>
+        </p:spPr>
+        <p:style>
+          <a:lnRef idx="1">
+            <a:schemeClr val="accent1"/>
+          </a:lnRef>
+          <a:fillRef idx="0">
+            <a:schemeClr val="accent1"/>
+          </a:fillRef>
+          <a:effectRef idx="0">
+            <a:schemeClr val="accent1"/>
+          </a:effectRef>
+          <a:fontRef idx="minor">
+            <a:schemeClr val="tx1"/>
+          </a:fontRef>
+        </p:style>
+      </p:cxnSp>
+      <p:cxnSp>
+        <p:nvCxnSpPr>
+          <p:cNvPr id="34" name="Straight Arrow Connector 33"/>
+          <p:cNvCxnSpPr>
+            <a:endCxn id="16" idx="1"/>
+          </p:cNvCxnSpPr>
+          <p:nvPr/>
+        </p:nvCxnSpPr>
+        <p:spPr>
+          <a:xfrm>
+            <a:off x="6480176" y="5928541"/>
+            <a:ext cx="995361" cy="14423"/>
+          </a:xfrm>
+          <a:prstGeom prst="straightConnector1">
+            <a:avLst/>
+          </a:prstGeom>
+          <a:ln>
+            <a:tailEnd type="arrow"/>
+          </a:ln>
+        </p:spPr>
+        <p:style>
+          <a:lnRef idx="1">
+            <a:schemeClr val="accent1"/>
+          </a:lnRef>
+          <a:fillRef idx="0">
+            <a:schemeClr val="accent1"/>
+          </a:fillRef>
+          <a:effectRef idx="0">
+            <a:schemeClr val="accent1"/>
+          </a:effectRef>
+          <a:fontRef idx="minor">
+            <a:schemeClr val="tx1"/>
+          </a:fontRef>
+        </p:style>
+      </p:cxnSp>
     </p:spTree>
   </p:cSld>
   <p:clrMapOvr>
@@ -4180,9 +4284,18 @@
           <a:p>
             <a:pPr algn="ctr"/>
             <a:r>
+              <a:rPr lang="en-US" dirty="0" smtClean="0"/>
+              <a:t>D =3</a:t>
+            </a:r>
+            <a:r>
               <a:rPr lang="en-US" dirty="0"/>
-              <a:t>3*(A+B+C)</a:t>
-            </a:r>
+              <a:t>*(A+B+C</a:t>
+            </a:r>
+            <a:r>
+              <a:rPr lang="en-US" dirty="0" smtClean="0"/>
+              <a:t>) </a:t>
+            </a:r>
+            <a:endParaRPr lang="en-US" dirty="0"/>
           </a:p>
         </p:txBody>
       </p:sp>
@@ -4221,9 +4334,10 @@
           <a:p>
             <a:pPr algn="ctr"/>
             <a:r>
-              <a:rPr lang="en-US" dirty="0"/>
-              <a:t>PRINT</a:t>
-            </a:r>
+              <a:rPr lang="en-US" dirty="0" smtClean="0"/>
+              <a:t>PRINT D</a:t>
+            </a:r>
+            <a:endParaRPr lang="en-US" dirty="0"/>
           </a:p>
         </p:txBody>
       </p:sp>
@@ -4268,91 +4382,14 @@
           <p:cNvPr id="17" name="Elbow Connector 16"/>
           <p:cNvCxnSpPr>
             <a:stCxn id="12" idx="3"/>
+            <a:endCxn id="18" idx="1"/>
           </p:cNvCxnSpPr>
           <p:nvPr/>
         </p:nvCxnSpPr>
         <p:spPr>
           <a:xfrm>
-            <a:off x="6188710" y="3726815"/>
-            <a:ext cx="2299335" cy="314325"/>
-          </a:xfrm>
-          <a:prstGeom prst="bentConnector3">
-            <a:avLst>
-              <a:gd name="adj1" fmla="val 50014"/>
-            </a:avLst>
-          </a:prstGeom>
-          <a:ln>
-            <a:tailEnd type="arrow" w="med" len="med"/>
-          </a:ln>
-        </p:spPr>
-        <p:style>
-          <a:lnRef idx="2">
-            <a:schemeClr val="accent6"/>
-          </a:lnRef>
-          <a:fillRef idx="1">
-            <a:schemeClr val="lt1"/>
-          </a:fillRef>
-          <a:effectRef idx="0">
-            <a:schemeClr val="accent6"/>
-          </a:effectRef>
-          <a:fontRef idx="minor">
-            <a:schemeClr val="dk1"/>
-          </a:fontRef>
-        </p:style>
-      </p:cxnSp>
-      <p:sp>
-        <p:nvSpPr>
-          <p:cNvPr id="18" name="Flowchart: Process 17"/>
-          <p:cNvSpPr/>
-          <p:nvPr/>
-        </p:nvSpPr>
-        <p:spPr>
-          <a:xfrm>
-            <a:off x="8488045" y="3825240"/>
-            <a:ext cx="1950720" cy="586740"/>
-          </a:xfrm>
-          <a:prstGeom prst="flowChartProcess">
-            <a:avLst/>
-          </a:prstGeom>
-        </p:spPr>
-        <p:style>
-          <a:lnRef idx="2">
-            <a:schemeClr val="accent6"/>
-          </a:lnRef>
-          <a:fillRef idx="1">
-            <a:schemeClr val="lt1"/>
-          </a:fillRef>
-          <a:effectRef idx="0">
-            <a:schemeClr val="accent6"/>
-          </a:effectRef>
-          <a:fontRef idx="minor">
-            <a:schemeClr val="dk1"/>
-          </a:fontRef>
-        </p:style>
-        <p:txBody>
-          <a:bodyPr rtlCol="0" anchor="ctr"/>
-          <a:lstStyle/>
-          <a:p>
-            <a:pPr algn="ctr"/>
-            <a:r>
-              <a:rPr lang="en-US" dirty="0"/>
-              <a:t>A+B+C</a:t>
-            </a:r>
-          </a:p>
-        </p:txBody>
-      </p:sp>
-      <p:cxnSp>
-        <p:nvCxnSpPr>
-          <p:cNvPr id="19" name="Elbow Connector 18"/>
-          <p:cNvCxnSpPr>
-            <a:cxnSpLocks/>
-          </p:cNvCxnSpPr>
-          <p:nvPr/>
-        </p:nvCxnSpPr>
-        <p:spPr>
-          <a:xfrm rot="10800000" flipV="1">
-            <a:off x="5165091" y="4975224"/>
-            <a:ext cx="4281805" cy="460375"/>
+            <a:off x="6188710" y="3726498"/>
+            <a:ext cx="2299335" cy="392112"/>
           </a:xfrm>
           <a:prstGeom prst="bentConnector3">
             <a:avLst>
@@ -4378,16 +4415,60 @@
           </a:fontRef>
         </p:style>
       </p:cxnSp>
+      <p:sp>
+        <p:nvSpPr>
+          <p:cNvPr id="18" name="Flowchart: Process 17"/>
+          <p:cNvSpPr/>
+          <p:nvPr/>
+        </p:nvSpPr>
+        <p:spPr>
+          <a:xfrm>
+            <a:off x="8488045" y="3825240"/>
+            <a:ext cx="1886041" cy="586740"/>
+          </a:xfrm>
+          <a:prstGeom prst="flowChartProcess">
+            <a:avLst/>
+          </a:prstGeom>
+        </p:spPr>
+        <p:style>
+          <a:lnRef idx="2">
+            <a:schemeClr val="accent6"/>
+          </a:lnRef>
+          <a:fillRef idx="1">
+            <a:schemeClr val="lt1"/>
+          </a:fillRef>
+          <a:effectRef idx="0">
+            <a:schemeClr val="accent6"/>
+          </a:effectRef>
+          <a:fontRef idx="minor">
+            <a:schemeClr val="dk1"/>
+          </a:fontRef>
+        </p:style>
+        <p:txBody>
+          <a:bodyPr rtlCol="0" anchor="ctr"/>
+          <a:lstStyle/>
+          <a:p>
+            <a:pPr algn="ctr"/>
+            <a:r>
+              <a:rPr lang="en-US" dirty="0" smtClean="0"/>
+              <a:t>D =A+B+C </a:t>
+            </a:r>
+            <a:endParaRPr lang="en-US" dirty="0"/>
+          </a:p>
+        </p:txBody>
+      </p:sp>
       <p:cxnSp>
         <p:nvCxnSpPr>
           <p:cNvPr id="21" name="Straight Connector 20"/>
-          <p:cNvCxnSpPr/>
+          <p:cNvCxnSpPr>
+            <a:endCxn id="18" idx="2"/>
+          </p:cNvCxnSpPr>
           <p:nvPr/>
         </p:nvCxnSpPr>
         <p:spPr>
-          <a:xfrm flipH="1" flipV="1">
-            <a:off x="9405620" y="4396740"/>
-            <a:ext cx="24765" cy="578485"/>
+          <a:xfrm flipV="1">
+            <a:off x="9430386" y="4411980"/>
+            <a:ext cx="680" cy="563246"/>
           </a:xfrm>
           <a:prstGeom prst="line">
             <a:avLst/>
@@ -4451,8 +4532,8 @@
         </p:nvSpPr>
         <p:spPr>
           <a:xfrm>
-            <a:off x="7065010" y="5435600"/>
-            <a:ext cx="914400" cy="782320"/>
+            <a:off x="7065010" y="5515610"/>
+            <a:ext cx="914400" cy="702310"/>
           </a:xfrm>
           <a:prstGeom prst="flowChartTerminator">
             <a:avLst/>
@@ -4554,6 +4635,117 @@
           </a:p>
         </p:txBody>
       </p:sp>
+      <p:cxnSp>
+        <p:nvCxnSpPr>
+          <p:cNvPr id="27" name="Straight Arrow Connector 26"/>
+          <p:cNvCxnSpPr/>
+          <p:nvPr/>
+        </p:nvCxnSpPr>
+        <p:spPr>
+          <a:xfrm>
+            <a:off x="9430386" y="4857751"/>
+            <a:ext cx="0" cy="657859"/>
+          </a:xfrm>
+          <a:prstGeom prst="straightConnector1">
+            <a:avLst/>
+          </a:prstGeom>
+          <a:ln>
+            <a:tailEnd type="arrow" w="med" len="med"/>
+          </a:ln>
+        </p:spPr>
+        <p:style>
+          <a:lnRef idx="2">
+            <a:schemeClr val="accent6"/>
+          </a:lnRef>
+          <a:fillRef idx="1">
+            <a:schemeClr val="lt1"/>
+          </a:fillRef>
+          <a:effectRef idx="0">
+            <a:schemeClr val="accent6"/>
+          </a:effectRef>
+          <a:fontRef idx="minor">
+            <a:schemeClr val="dk1"/>
+          </a:fontRef>
+        </p:style>
+      </p:cxnSp>
+      <p:sp>
+        <p:nvSpPr>
+          <p:cNvPr id="28" name="Flowchart: Process 27"/>
+          <p:cNvSpPr/>
+          <p:nvPr/>
+        </p:nvSpPr>
+        <p:spPr>
+          <a:xfrm>
+            <a:off x="8488045" y="5515610"/>
+            <a:ext cx="1886040" cy="702310"/>
+          </a:xfrm>
+          <a:prstGeom prst="flowChartProcess">
+            <a:avLst/>
+          </a:prstGeom>
+        </p:spPr>
+        <p:style>
+          <a:lnRef idx="2">
+            <a:schemeClr val="accent6"/>
+          </a:lnRef>
+          <a:fillRef idx="1">
+            <a:schemeClr val="lt1"/>
+          </a:fillRef>
+          <a:effectRef idx="0">
+            <a:schemeClr val="accent6"/>
+          </a:effectRef>
+          <a:fontRef idx="minor">
+            <a:schemeClr val="dk1"/>
+          </a:fontRef>
+        </p:style>
+        <p:txBody>
+          <a:bodyPr rtlCol="0" anchor="ctr"/>
+          <a:lstStyle/>
+          <a:p>
+            <a:pPr algn="ctr"/>
+            <a:r>
+              <a:rPr lang="en-US" dirty="0" smtClean="0"/>
+              <a:t>PRINT D</a:t>
+            </a:r>
+            <a:endParaRPr lang="en-US" dirty="0"/>
+          </a:p>
+        </p:txBody>
+      </p:sp>
+      <p:cxnSp>
+        <p:nvCxnSpPr>
+          <p:cNvPr id="31" name="Straight Arrow Connector 30"/>
+          <p:cNvCxnSpPr>
+            <a:stCxn id="28" idx="1"/>
+            <a:endCxn id="23" idx="3"/>
+          </p:cNvCxnSpPr>
+          <p:nvPr/>
+        </p:nvCxnSpPr>
+        <p:spPr>
+          <a:xfrm flipH="1">
+            <a:off x="7979410" y="5866765"/>
+            <a:ext cx="508635" cy="0"/>
+          </a:xfrm>
+          <a:prstGeom prst="straightConnector1">
+            <a:avLst/>
+          </a:prstGeom>
+          <a:ln>
+            <a:tailEnd type="triangle"/>
+          </a:ln>
+        </p:spPr>
+        <p:style>
+          <a:lnRef idx="1">
+            <a:schemeClr val="accent1"/>
+          </a:lnRef>
+          <a:fillRef idx="0">
+            <a:schemeClr val="accent1"/>
+          </a:fillRef>
+          <a:effectRef idx="0">
+            <a:schemeClr val="accent1"/>
+          </a:effectRef>
+          <a:fontRef idx="minor">
+            <a:schemeClr val="tx1"/>
+          </a:fontRef>
+        </p:style>
+      </p:cxnSp>
     </p:spTree>
   </p:cSld>
   <p:clrMapOvr>
@@ -5132,9 +5324,10 @@
           <a:p>
             <a:pPr algn="ctr"/>
             <a:r>
-              <a:rPr lang="en-US" dirty="0"/>
-              <a:t>PRINT</a:t>
-            </a:r>
+              <a:rPr lang="en-US" dirty="0" smtClean="0"/>
+              <a:t>PRINT TRUE</a:t>
+            </a:r>
+            <a:endParaRPr lang="en-US" dirty="0"/>
           </a:p>
         </p:txBody>
       </p:sp>
@@ -6162,7 +6355,7 @@
         <p:spPr>
           <a:xfrm>
             <a:off x="8022590" y="3416300"/>
-            <a:ext cx="1910080" cy="712470"/>
+            <a:ext cx="2874010" cy="712470"/>
           </a:xfrm>
           <a:prstGeom prst="flowChartProcess">
             <a:avLst/>
@@ -6188,9 +6381,10 @@
           <a:p>
             <a:pPr algn="ctr"/>
             <a:r>
-              <a:rPr lang="en-US" dirty="0"/>
-              <a:t>PRINT</a:t>
-            </a:r>
+              <a:rPr lang="en-US" dirty="0" smtClean="0"/>
+              <a:t>PRINT (MAX(D),Min(D),Middle)</a:t>
+            </a:r>
+            <a:endParaRPr lang="en-US" dirty="0"/>
           </a:p>
         </p:txBody>
       </p:sp>
@@ -6507,8 +6701,8 @@
         </p:nvCxnSpPr>
         <p:spPr>
           <a:xfrm flipH="1">
-            <a:off x="4911725" y="5177790"/>
-            <a:ext cx="3810" cy="193675"/>
+            <a:off x="4920705" y="5029880"/>
+            <a:ext cx="9525" cy="341585"/>
           </a:xfrm>
           <a:prstGeom prst="straightConnector1">
             <a:avLst/>
@@ -6639,7 +6833,7 @@
         </p:nvCxnSpPr>
         <p:spPr>
           <a:xfrm flipH="1">
-            <a:off x="4915535" y="5941695"/>
+            <a:off x="9631272" y="5907564"/>
             <a:ext cx="3810" cy="193675"/>
           </a:xfrm>
           <a:prstGeom prst="straightConnector1">
@@ -6764,19 +6958,23 @@
           <a:lstStyle/>
           <a:p>
             <a:pPr algn="ctr"/>
-            <a:endParaRPr lang="en-US"/>
-          </a:p>
-        </p:txBody>
-      </p:sp>
-      <p:sp>
-        <p:nvSpPr>
-          <p:cNvPr id="15" name="Flowchart: Data 14"/>
+            <a:r>
+              <a:rPr lang="en-GB" dirty="0" smtClean="0"/>
+              <a:t>ENTER VALUE a</a:t>
+            </a:r>
+            <a:endParaRPr lang="en-US" dirty="0"/>
+          </a:p>
+        </p:txBody>
+      </p:sp>
+      <p:sp>
+        <p:nvSpPr>
+          <p:cNvPr id="16" name="Flowchart: Data 15"/>
           <p:cNvSpPr/>
           <p:nvPr/>
         </p:nvSpPr>
         <p:spPr>
           <a:xfrm>
-            <a:off x="3300095" y="1461135"/>
+            <a:off x="3408045" y="2719705"/>
             <a:ext cx="2941320" cy="435610"/>
           </a:xfrm>
           <a:prstGeom prst="flowChartInputOutput">
@@ -6802,19 +7000,31 @@
           <a:lstStyle/>
           <a:p>
             <a:pPr algn="ctr"/>
-            <a:endParaRPr lang="en-US"/>
-          </a:p>
-        </p:txBody>
-      </p:sp>
-      <p:sp>
-        <p:nvSpPr>
-          <p:cNvPr id="16" name="Flowchart: Data 15"/>
+            <a:r>
+              <a:rPr lang="en-GB" dirty="0"/>
+              <a:t>c = </a:t>
+            </a:r>
+            <a:r>
+              <a:rPr lang="en-GB" dirty="0" smtClean="0"/>
+              <a:t>a[1]**</a:t>
+            </a:r>
+            <a:r>
+              <a:rPr lang="en-GB" dirty="0"/>
+              <a:t>3</a:t>
+            </a:r>
+            <a:endParaRPr lang="en-US" dirty="0"/>
+          </a:p>
+        </p:txBody>
+      </p:sp>
+      <p:sp>
+        <p:nvSpPr>
+          <p:cNvPr id="17" name="Flowchart: Data 16"/>
           <p:cNvSpPr/>
           <p:nvPr/>
         </p:nvSpPr>
         <p:spPr>
           <a:xfrm>
-            <a:off x="3408045" y="2719705"/>
+            <a:off x="3411855" y="2090420"/>
             <a:ext cx="2941320" cy="435610"/>
           </a:xfrm>
           <a:prstGeom prst="flowChartInputOutput">
@@ -6840,19 +7050,23 @@
           <a:lstStyle/>
           <a:p>
             <a:pPr algn="ctr"/>
-            <a:endParaRPr lang="en-US"/>
-          </a:p>
-        </p:txBody>
-      </p:sp>
-      <p:sp>
-        <p:nvSpPr>
-          <p:cNvPr id="17" name="Flowchart: Data 16"/>
+            <a:r>
+              <a:rPr lang="en-GB" dirty="0"/>
+              <a:t>b = a[0]**3</a:t>
+            </a:r>
+            <a:endParaRPr lang="en-US" dirty="0"/>
+          </a:p>
+        </p:txBody>
+      </p:sp>
+      <p:sp>
+        <p:nvSpPr>
+          <p:cNvPr id="18" name="Flowchart: Data 17"/>
           <p:cNvSpPr/>
           <p:nvPr/>
         </p:nvSpPr>
         <p:spPr>
           <a:xfrm>
-            <a:off x="3411855" y="2090420"/>
+            <a:off x="3419475" y="3348990"/>
             <a:ext cx="2941320" cy="435610"/>
           </a:xfrm>
           <a:prstGeom prst="flowChartInputOutput">
@@ -6878,19 +7092,31 @@
           <a:lstStyle/>
           <a:p>
             <a:pPr algn="ctr"/>
-            <a:endParaRPr lang="en-US"/>
-          </a:p>
-        </p:txBody>
-      </p:sp>
-      <p:sp>
-        <p:nvSpPr>
-          <p:cNvPr id="18" name="Flowchart: Data 17"/>
+            <a:r>
+              <a:rPr lang="en-GB" dirty="0"/>
+              <a:t>d = </a:t>
+            </a:r>
+            <a:r>
+              <a:rPr lang="en-GB" dirty="0" smtClean="0"/>
+              <a:t>a[2]**</a:t>
+            </a:r>
+            <a:r>
+              <a:rPr lang="en-GB" dirty="0"/>
+              <a:t>3</a:t>
+            </a:r>
+            <a:endParaRPr lang="en-US" dirty="0"/>
+          </a:p>
+        </p:txBody>
+      </p:sp>
+      <p:sp>
+        <p:nvSpPr>
+          <p:cNvPr id="19" name="Flowchart: Data 18"/>
           <p:cNvSpPr/>
           <p:nvPr/>
         </p:nvSpPr>
         <p:spPr>
           <a:xfrm>
-            <a:off x="3419475" y="3348990"/>
+            <a:off x="3441065" y="3978275"/>
             <a:ext cx="2941320" cy="435610"/>
           </a:xfrm>
           <a:prstGeom prst="flowChartInputOutput">
@@ -6916,22 +7142,34 @@
           <a:lstStyle/>
           <a:p>
             <a:pPr algn="ctr"/>
-            <a:endParaRPr lang="en-US"/>
-          </a:p>
-        </p:txBody>
-      </p:sp>
-      <p:sp>
-        <p:nvSpPr>
-          <p:cNvPr id="19" name="Flowchart: Data 18"/>
+            <a:r>
+              <a:rPr lang="en-GB" dirty="0"/>
+              <a:t>e = </a:t>
+            </a:r>
+            <a:r>
+              <a:rPr lang="en-GB" dirty="0" smtClean="0"/>
+              <a:t>a[3]**</a:t>
+            </a:r>
+            <a:r>
+              <a:rPr lang="en-GB" dirty="0"/>
+              <a:t>3</a:t>
+            </a:r>
+            <a:endParaRPr lang="en-US" dirty="0"/>
+          </a:p>
+        </p:txBody>
+      </p:sp>
+      <p:sp>
+        <p:nvSpPr>
+          <p:cNvPr id="20" name="Flowchart: Process 19"/>
           <p:cNvSpPr/>
           <p:nvPr/>
         </p:nvSpPr>
         <p:spPr>
           <a:xfrm>
-            <a:off x="3408045" y="3978275"/>
-            <a:ext cx="2941320" cy="435610"/>
-          </a:xfrm>
-          <a:prstGeom prst="flowChartInputOutput">
+            <a:off x="8297091" y="5371465"/>
+            <a:ext cx="2656205" cy="570230"/>
+          </a:xfrm>
+          <a:prstGeom prst="flowChartProcess">
             <a:avLst/>
           </a:prstGeom>
         </p:spPr>
@@ -6954,19 +7192,23 @@
           <a:lstStyle/>
           <a:p>
             <a:pPr algn="ctr"/>
-            <a:endParaRPr lang="en-US"/>
-          </a:p>
-        </p:txBody>
-      </p:sp>
-      <p:sp>
-        <p:nvSpPr>
-          <p:cNvPr id="20" name="Flowchart: Process 19"/>
+            <a:r>
+              <a:rPr lang="en-GB" dirty="0" smtClean="0"/>
+              <a:t>PRINT (Z)</a:t>
+            </a:r>
+            <a:endParaRPr lang="en-US" dirty="0"/>
+          </a:p>
+        </p:txBody>
+      </p:sp>
+      <p:sp>
+        <p:nvSpPr>
+          <p:cNvPr id="21" name="Flowchart: Process 20"/>
           <p:cNvSpPr/>
           <p:nvPr/>
         </p:nvSpPr>
         <p:spPr>
           <a:xfrm>
-            <a:off x="3550920" y="4607560"/>
+            <a:off x="3548697" y="5371465"/>
             <a:ext cx="2656205" cy="570230"/>
           </a:xfrm>
           <a:prstGeom prst="flowChartProcess">
@@ -6992,22 +7234,26 @@
           <a:lstStyle/>
           <a:p>
             <a:pPr algn="ctr"/>
-            <a:endParaRPr lang="en-US"/>
-          </a:p>
-        </p:txBody>
-      </p:sp>
-      <p:sp>
-        <p:nvSpPr>
-          <p:cNvPr id="21" name="Flowchart: Process 20"/>
+            <a:r>
+              <a:rPr lang="en-GB" dirty="0" smtClean="0"/>
+              <a:t>Z = b+c+d+e+f</a:t>
+            </a:r>
+            <a:endParaRPr lang="en-US" dirty="0"/>
+          </a:p>
+        </p:txBody>
+      </p:sp>
+      <p:sp>
+        <p:nvSpPr>
+          <p:cNvPr id="22" name="Flowchart: Terminator 21"/>
           <p:cNvSpPr/>
           <p:nvPr/>
         </p:nvSpPr>
         <p:spPr>
           <a:xfrm>
-            <a:off x="3585845" y="5371465"/>
-            <a:ext cx="2656205" cy="570230"/>
-          </a:xfrm>
-          <a:prstGeom prst="flowChartProcess">
+            <a:off x="9151212" y="6101239"/>
+            <a:ext cx="963930" cy="638175"/>
+          </a:xfrm>
+          <a:prstGeom prst="flowChartTerminator">
             <a:avLst/>
           </a:prstGeom>
         </p:spPr>
@@ -7030,22 +7276,25 @@
           <a:lstStyle/>
           <a:p>
             <a:pPr algn="ctr"/>
-            <a:endParaRPr lang="en-US"/>
-          </a:p>
-        </p:txBody>
-      </p:sp>
-      <p:sp>
-        <p:nvSpPr>
-          <p:cNvPr id="22" name="Flowchart: Terminator 21"/>
+            <a:r>
+              <a:rPr lang="en-US"/>
+              <a:t>STOP</a:t>
+            </a:r>
+          </a:p>
+        </p:txBody>
+      </p:sp>
+      <p:sp>
+        <p:nvSpPr>
+          <p:cNvPr id="3" name="Flowchart: Process 2"/>
           <p:cNvSpPr/>
           <p:nvPr/>
         </p:nvSpPr>
         <p:spPr>
           <a:xfrm>
-            <a:off x="4435475" y="6135370"/>
-            <a:ext cx="963930" cy="638175"/>
-          </a:xfrm>
-          <a:prstGeom prst="flowChartTerminator">
+            <a:off x="3585845" y="1461135"/>
+            <a:ext cx="2521041" cy="435610"/>
+          </a:xfrm>
+          <a:prstGeom prst="flowChartProcess">
             <a:avLst/>
           </a:prstGeom>
         </p:spPr>
@@ -7069,12 +7318,103 @@
           <a:p>
             <a:pPr algn="ctr"/>
             <a:r>
-              <a:rPr lang="en-US"/>
-              <a:t>STOP</a:t>
-            </a:r>
-          </a:p>
-        </p:txBody>
-      </p:sp>
+              <a:rPr lang="en-GB" dirty="0" smtClean="0"/>
+              <a:t>A = Range(1,a)</a:t>
+            </a:r>
+            <a:endParaRPr lang="en-US" dirty="0"/>
+          </a:p>
+        </p:txBody>
+      </p:sp>
+      <p:sp>
+        <p:nvSpPr>
+          <p:cNvPr id="23" name="Flowchart: Data 22"/>
+          <p:cNvSpPr/>
+          <p:nvPr/>
+        </p:nvSpPr>
+        <p:spPr>
+          <a:xfrm>
+            <a:off x="3415665" y="4594270"/>
+            <a:ext cx="2941320" cy="435610"/>
+          </a:xfrm>
+          <a:prstGeom prst="flowChartInputOutput">
+            <a:avLst/>
+          </a:prstGeom>
+        </p:spPr>
+        <p:style>
+          <a:lnRef idx="2">
+            <a:schemeClr val="accent6"/>
+          </a:lnRef>
+          <a:fillRef idx="1">
+            <a:schemeClr val="lt1"/>
+          </a:fillRef>
+          <a:effectRef idx="0">
+            <a:schemeClr val="accent6"/>
+          </a:effectRef>
+          <a:fontRef idx="minor">
+            <a:schemeClr val="dk1"/>
+          </a:fontRef>
+        </p:style>
+        <p:txBody>
+          <a:bodyPr rtlCol="0" anchor="ctr"/>
+          <a:lstStyle/>
+          <a:p>
+            <a:pPr algn="ctr"/>
+            <a:r>
+              <a:rPr lang="en-GB" dirty="0" smtClean="0"/>
+              <a:t>f </a:t>
+            </a:r>
+            <a:r>
+              <a:rPr lang="en-GB" dirty="0"/>
+              <a:t>= </a:t>
+            </a:r>
+            <a:r>
+              <a:rPr lang="en-GB" dirty="0" smtClean="0"/>
+              <a:t>a[4]**</a:t>
+            </a:r>
+            <a:r>
+              <a:rPr lang="en-GB" dirty="0"/>
+              <a:t>3</a:t>
+            </a:r>
+            <a:endParaRPr lang="en-US" dirty="0"/>
+          </a:p>
+        </p:txBody>
+      </p:sp>
+      <p:cxnSp>
+        <p:nvCxnSpPr>
+          <p:cNvPr id="29" name="Straight Arrow Connector 28"/>
+          <p:cNvCxnSpPr>
+            <a:stCxn id="21" idx="3"/>
+            <a:endCxn id="20" idx="1"/>
+          </p:cNvCxnSpPr>
+          <p:nvPr/>
+        </p:nvCxnSpPr>
+        <p:spPr>
+          <a:xfrm>
+            <a:off x="6204902" y="5656580"/>
+            <a:ext cx="2092189" cy="0"/>
+          </a:xfrm>
+          <a:prstGeom prst="straightConnector1">
+            <a:avLst/>
+          </a:prstGeom>
+          <a:ln>
+            <a:tailEnd type="triangle"/>
+          </a:ln>
+        </p:spPr>
+        <p:style>
+          <a:lnRef idx="1">
+            <a:schemeClr val="accent1"/>
+          </a:lnRef>
+          <a:fillRef idx="0">
+            <a:schemeClr val="accent1"/>
+          </a:fillRef>
+          <a:effectRef idx="0">
+            <a:schemeClr val="accent1"/>
+          </a:effectRef>
+          <a:fontRef idx="minor">
+            <a:schemeClr val="tx1"/>
+          </a:fontRef>
+        </p:style>
+      </p:cxnSp>
     </p:spTree>
   </p:cSld>
   <p:clrMapOvr>
